--- a/Presentation/haQathon2020_Android_Master_Minds.pptx
+++ b/Presentation/haQathon2020_Android_Master_Minds.pptx
@@ -18892,7 +18892,7 @@
             </a:pPr>
             <a:r>
               <a:rPr lang="x-none" altLang="en-US" dirty="0"/>
-              <a:t>Develop an audio streaming application with minimum dependency between hmi and service side. MediaBrowserServiceCompat, functions like a client-server model. So the whole application will includes three major parts,</a:t>
+              <a:t>Develop an audio streaming application with minimum dependency between hmi and service side. MediaBrowserServiceCompat functions like a client-server model. So the whole application will includes three major parts,</a:t>
             </a:r>
             <a:endParaRPr lang="x-none" altLang="en-US" dirty="0"/>
           </a:p>
